--- a/[presentation/[3]jQuery.pptx
+++ b/[presentation/[3]jQuery.pptx
@@ -201,7 +201,7 @@
           <a:p>
             <a:fld id="{3B3917CC-55A9-42DD-9458-B765555F9767}" type="datetimeFigureOut">
               <a:rPr lang="zh-CN" altLang="en-US" smtClean="0"/>
-              <a:t>2014/12/8</a:t>
+              <a:t>2014/12/9</a:t>
             </a:fld>
             <a:endParaRPr lang="zh-CN" altLang="en-US"/>
           </a:p>
@@ -1177,7 +1177,7 @@
           <a:p>
             <a:fld id="{530820CF-B880-4189-942D-D702A7CBA730}" type="datetimeFigureOut">
               <a:rPr lang="zh-CN" altLang="en-US" smtClean="0"/>
-              <a:t>2014/12/8</a:t>
+              <a:t>2014/12/9</a:t>
             </a:fld>
             <a:endParaRPr lang="zh-CN" altLang="en-US"/>
           </a:p>
@@ -1342,7 +1342,7 @@
           <a:p>
             <a:fld id="{530820CF-B880-4189-942D-D702A7CBA730}" type="datetimeFigureOut">
               <a:rPr lang="zh-CN" altLang="en-US" smtClean="0"/>
-              <a:t>2014/12/8</a:t>
+              <a:t>2014/12/9</a:t>
             </a:fld>
             <a:endParaRPr lang="zh-CN" altLang="en-US"/>
           </a:p>
@@ -1517,7 +1517,7 @@
           <a:p>
             <a:fld id="{530820CF-B880-4189-942D-D702A7CBA730}" type="datetimeFigureOut">
               <a:rPr lang="zh-CN" altLang="en-US" smtClean="0"/>
-              <a:t>2014/12/8</a:t>
+              <a:t>2014/12/9</a:t>
             </a:fld>
             <a:endParaRPr lang="zh-CN" altLang="en-US"/>
           </a:p>
@@ -1682,7 +1682,7 @@
           <a:p>
             <a:fld id="{530820CF-B880-4189-942D-D702A7CBA730}" type="datetimeFigureOut">
               <a:rPr lang="zh-CN" altLang="en-US" smtClean="0"/>
-              <a:t>2014/12/8</a:t>
+              <a:t>2014/12/9</a:t>
             </a:fld>
             <a:endParaRPr lang="zh-CN" altLang="en-US"/>
           </a:p>
@@ -1923,7 +1923,7 @@
           <a:p>
             <a:fld id="{530820CF-B880-4189-942D-D702A7CBA730}" type="datetimeFigureOut">
               <a:rPr lang="zh-CN" altLang="en-US" smtClean="0"/>
-              <a:t>2014/12/8</a:t>
+              <a:t>2014/12/9</a:t>
             </a:fld>
             <a:endParaRPr lang="zh-CN" altLang="en-US"/>
           </a:p>
@@ -2206,7 +2206,7 @@
           <a:p>
             <a:fld id="{530820CF-B880-4189-942D-D702A7CBA730}" type="datetimeFigureOut">
               <a:rPr lang="zh-CN" altLang="en-US" smtClean="0"/>
-              <a:t>2014/12/8</a:t>
+              <a:t>2014/12/9</a:t>
             </a:fld>
             <a:endParaRPr lang="zh-CN" altLang="en-US"/>
           </a:p>
@@ -2623,7 +2623,7 @@
           <a:p>
             <a:fld id="{530820CF-B880-4189-942D-D702A7CBA730}" type="datetimeFigureOut">
               <a:rPr lang="zh-CN" altLang="en-US" smtClean="0"/>
-              <a:t>2014/12/8</a:t>
+              <a:t>2014/12/9</a:t>
             </a:fld>
             <a:endParaRPr lang="zh-CN" altLang="en-US"/>
           </a:p>
@@ -2736,7 +2736,7 @@
           <a:p>
             <a:fld id="{530820CF-B880-4189-942D-D702A7CBA730}" type="datetimeFigureOut">
               <a:rPr lang="zh-CN" altLang="en-US" smtClean="0"/>
-              <a:t>2014/12/8</a:t>
+              <a:t>2014/12/9</a:t>
             </a:fld>
             <a:endParaRPr lang="zh-CN" altLang="en-US"/>
           </a:p>
@@ -2826,7 +2826,7 @@
           <a:p>
             <a:fld id="{530820CF-B880-4189-942D-D702A7CBA730}" type="datetimeFigureOut">
               <a:rPr lang="zh-CN" altLang="en-US" smtClean="0"/>
-              <a:t>2014/12/8</a:t>
+              <a:t>2014/12/9</a:t>
             </a:fld>
             <a:endParaRPr lang="zh-CN" altLang="en-US"/>
           </a:p>
@@ -3098,7 +3098,7 @@
           <a:p>
             <a:fld id="{530820CF-B880-4189-942D-D702A7CBA730}" type="datetimeFigureOut">
               <a:rPr lang="zh-CN" altLang="en-US" smtClean="0"/>
-              <a:t>2014/12/8</a:t>
+              <a:t>2014/12/9</a:t>
             </a:fld>
             <a:endParaRPr lang="zh-CN" altLang="en-US"/>
           </a:p>
@@ -3346,7 +3346,7 @@
           <a:p>
             <a:fld id="{530820CF-B880-4189-942D-D702A7CBA730}" type="datetimeFigureOut">
               <a:rPr lang="zh-CN" altLang="en-US" smtClean="0"/>
-              <a:t>2014/12/8</a:t>
+              <a:t>2014/12/9</a:t>
             </a:fld>
             <a:endParaRPr lang="zh-CN" altLang="en-US"/>
           </a:p>
@@ -3554,7 +3554,7 @@
           <a:p>
             <a:fld id="{530820CF-B880-4189-942D-D702A7CBA730}" type="datetimeFigureOut">
               <a:rPr lang="zh-CN" altLang="en-US" smtClean="0"/>
-              <a:t>2014/12/8</a:t>
+              <a:t>2014/12/9</a:t>
             </a:fld>
             <a:endParaRPr lang="zh-CN" altLang="en-US"/>
           </a:p>
@@ -4253,12 +4253,12 @@
               <a:t>Click a folder will show the </a:t>
             </a:r>
             <a:r>
-              <a:rPr lang="en-US" altLang="zh-CN" smtClean="0"/>
-              <a:t>subitems </a:t>
-            </a:r>
-            <a:r>
-              <a:rPr lang="en-US" altLang="zh-CN" dirty="0" smtClean="0"/>
-              <a:t>of the folder</a:t>
+              <a:rPr lang="en-US" altLang="zh-CN" dirty="0" err="1" smtClean="0"/>
+              <a:t>subitems</a:t>
+            </a:r>
+            <a:r>
+              <a:rPr lang="en-US" altLang="zh-CN" dirty="0" smtClean="0"/>
+              <a:t> of the folder</a:t>
             </a:r>
             <a:endParaRPr lang="zh-CN" altLang="en-US" dirty="0"/>
           </a:p>
